--- a/presentation/presentation_jade_lemos.pptx
+++ b/presentation/presentation_jade_lemos.pptx
@@ -108,6 +108,11 @@
       </a:defRPr>
     </a:lvl9pPr>
   </p:defaultTextStyle>
+  <p:extLst>
+    <p:ext uri="{EFAFB233-063F-42B5-8137-9DF3F51BA10A}">
+      <p15:sldGuideLst xmlns:p15="http://schemas.microsoft.com/office/powerpoint/2012/main"/>
+    </p:ext>
+  </p:extLst>
 </p:presentation>
 </file>
 
@@ -130,7 +135,7 @@
   <pc:docChgLst>
     <pc:chgData name="Lemos, Jade B K" userId="98e82711-00f6-4244-9461-8355d47cc0cd" providerId="ADAL" clId="{14B02C41-A8CB-4600-AC52-25C9694F5751}"/>
     <pc:docChg chg="undo custSel addSld delSld modSld">
-      <pc:chgData name="Lemos, Jade B K" userId="98e82711-00f6-4244-9461-8355d47cc0cd" providerId="ADAL" clId="{14B02C41-A8CB-4600-AC52-25C9694F5751}" dt="2025-06-12T22:41:25.654" v="4874" actId="47"/>
+      <pc:chgData name="Lemos, Jade B K" userId="98e82711-00f6-4244-9461-8355d47cc0cd" providerId="ADAL" clId="{14B02C41-A8CB-4600-AC52-25C9694F5751}" dt="2025-06-12T23:49:10.415" v="4900" actId="20577"/>
       <pc:docMkLst>
         <pc:docMk/>
       </pc:docMkLst>
@@ -399,7 +404,7 @@
         </pc:spChg>
       </pc:sldChg>
       <pc:sldChg chg="addSp delSp modSp add mod">
-        <pc:chgData name="Lemos, Jade B K" userId="98e82711-00f6-4244-9461-8355d47cc0cd" providerId="ADAL" clId="{14B02C41-A8CB-4600-AC52-25C9694F5751}" dt="2025-06-12T22:40:24.675" v="4871" actId="113"/>
+        <pc:chgData name="Lemos, Jade B K" userId="98e82711-00f6-4244-9461-8355d47cc0cd" providerId="ADAL" clId="{14B02C41-A8CB-4600-AC52-25C9694F5751}" dt="2025-06-12T23:49:10.415" v="4900" actId="20577"/>
         <pc:sldMkLst>
           <pc:docMk/>
           <pc:sldMk cId="1126454698" sldId="265"/>
@@ -453,7 +458,7 @@
           </ac:spMkLst>
         </pc:spChg>
         <pc:spChg chg="add mod">
-          <ac:chgData name="Lemos, Jade B K" userId="98e82711-00f6-4244-9461-8355d47cc0cd" providerId="ADAL" clId="{14B02C41-A8CB-4600-AC52-25C9694F5751}" dt="2025-06-12T22:38:14.792" v="4863" actId="20577"/>
+          <ac:chgData name="Lemos, Jade B K" userId="98e82711-00f6-4244-9461-8355d47cc0cd" providerId="ADAL" clId="{14B02C41-A8CB-4600-AC52-25C9694F5751}" dt="2025-06-12T23:48:56.319" v="4892" actId="20577"/>
           <ac:spMkLst>
             <pc:docMk/>
             <pc:sldMk cId="1126454698" sldId="265"/>
@@ -461,7 +466,7 @@
           </ac:spMkLst>
         </pc:spChg>
         <pc:spChg chg="mod">
-          <ac:chgData name="Lemos, Jade B K" userId="98e82711-00f6-4244-9461-8355d47cc0cd" providerId="ADAL" clId="{14B02C41-A8CB-4600-AC52-25C9694F5751}" dt="2025-06-12T22:40:24.675" v="4871" actId="113"/>
+          <ac:chgData name="Lemos, Jade B K" userId="98e82711-00f6-4244-9461-8355d47cc0cd" providerId="ADAL" clId="{14B02C41-A8CB-4600-AC52-25C9694F5751}" dt="2025-06-12T23:49:10.415" v="4900" actId="20577"/>
           <ac:spMkLst>
             <pc:docMk/>
             <pc:sldMk cId="1126454698" sldId="265"/>
@@ -621,7 +626,7 @@
           <a:p>
             <a:fld id="{19EA300A-55B6-4497-AEBD-E764964ECD4F}" type="datetimeFigureOut">
               <a:rPr lang="pt-BR" smtClean="0"/>
-              <a:t>10/06/2025</a:t>
+              <a:t>12/06/2025</a:t>
             </a:fld>
             <a:endParaRPr lang="pt-BR"/>
           </a:p>
@@ -819,7 +824,7 @@
           <a:p>
             <a:fld id="{19EA300A-55B6-4497-AEBD-E764964ECD4F}" type="datetimeFigureOut">
               <a:rPr lang="pt-BR" smtClean="0"/>
-              <a:t>10/06/2025</a:t>
+              <a:t>12/06/2025</a:t>
             </a:fld>
             <a:endParaRPr lang="pt-BR"/>
           </a:p>
@@ -1027,7 +1032,7 @@
           <a:p>
             <a:fld id="{19EA300A-55B6-4497-AEBD-E764964ECD4F}" type="datetimeFigureOut">
               <a:rPr lang="pt-BR" smtClean="0"/>
-              <a:t>10/06/2025</a:t>
+              <a:t>12/06/2025</a:t>
             </a:fld>
             <a:endParaRPr lang="pt-BR"/>
           </a:p>
@@ -1225,7 +1230,7 @@
           <a:p>
             <a:fld id="{19EA300A-55B6-4497-AEBD-E764964ECD4F}" type="datetimeFigureOut">
               <a:rPr lang="pt-BR" smtClean="0"/>
-              <a:t>10/06/2025</a:t>
+              <a:t>12/06/2025</a:t>
             </a:fld>
             <a:endParaRPr lang="pt-BR"/>
           </a:p>
@@ -1500,7 +1505,7 @@
           <a:p>
             <a:fld id="{19EA300A-55B6-4497-AEBD-E764964ECD4F}" type="datetimeFigureOut">
               <a:rPr lang="pt-BR" smtClean="0"/>
-              <a:t>10/06/2025</a:t>
+              <a:t>12/06/2025</a:t>
             </a:fld>
             <a:endParaRPr lang="pt-BR"/>
           </a:p>
@@ -1765,7 +1770,7 @@
           <a:p>
             <a:fld id="{19EA300A-55B6-4497-AEBD-E764964ECD4F}" type="datetimeFigureOut">
               <a:rPr lang="pt-BR" smtClean="0"/>
-              <a:t>10/06/2025</a:t>
+              <a:t>12/06/2025</a:t>
             </a:fld>
             <a:endParaRPr lang="pt-BR"/>
           </a:p>
@@ -2177,7 +2182,7 @@
           <a:p>
             <a:fld id="{19EA300A-55B6-4497-AEBD-E764964ECD4F}" type="datetimeFigureOut">
               <a:rPr lang="pt-BR" smtClean="0"/>
-              <a:t>10/06/2025</a:t>
+              <a:t>12/06/2025</a:t>
             </a:fld>
             <a:endParaRPr lang="pt-BR"/>
           </a:p>
@@ -2318,7 +2323,7 @@
           <a:p>
             <a:fld id="{19EA300A-55B6-4497-AEBD-E764964ECD4F}" type="datetimeFigureOut">
               <a:rPr lang="pt-BR" smtClean="0"/>
-              <a:t>10/06/2025</a:t>
+              <a:t>12/06/2025</a:t>
             </a:fld>
             <a:endParaRPr lang="pt-BR"/>
           </a:p>
@@ -2431,7 +2436,7 @@
           <a:p>
             <a:fld id="{19EA300A-55B6-4497-AEBD-E764964ECD4F}" type="datetimeFigureOut">
               <a:rPr lang="pt-BR" smtClean="0"/>
-              <a:t>10/06/2025</a:t>
+              <a:t>12/06/2025</a:t>
             </a:fld>
             <a:endParaRPr lang="pt-BR"/>
           </a:p>
@@ -2742,7 +2747,7 @@
           <a:p>
             <a:fld id="{19EA300A-55B6-4497-AEBD-E764964ECD4F}" type="datetimeFigureOut">
               <a:rPr lang="pt-BR" smtClean="0"/>
-              <a:t>10/06/2025</a:t>
+              <a:t>12/06/2025</a:t>
             </a:fld>
             <a:endParaRPr lang="pt-BR"/>
           </a:p>
@@ -3030,7 +3035,7 @@
           <a:p>
             <a:fld id="{19EA300A-55B6-4497-AEBD-E764964ECD4F}" type="datetimeFigureOut">
               <a:rPr lang="pt-BR" smtClean="0"/>
-              <a:t>10/06/2025</a:t>
+              <a:t>12/06/2025</a:t>
             </a:fld>
             <a:endParaRPr lang="pt-BR"/>
           </a:p>
@@ -3271,7 +3276,7 @@
           <a:p>
             <a:fld id="{19EA300A-55B6-4497-AEBD-E764964ECD4F}" type="datetimeFigureOut">
               <a:rPr lang="pt-BR" smtClean="0"/>
-              <a:t>10/06/2025</a:t>
+              <a:t>12/06/2025</a:t>
             </a:fld>
             <a:endParaRPr lang="pt-BR"/>
           </a:p>
@@ -6167,10 +6172,20 @@
                   </a:schemeClr>
                 </a:solidFill>
               </a:rPr>
-              <a:t>R$ 33.456,10</a:t>
-            </a:r>
-            <a:r>
-              <a:rPr lang="pt-BR" sz="1600" dirty="0">
+              <a:t>R</a:t>
+            </a:r>
+            <a:r>
+              <a:rPr lang="pt-BR" sz="1600" b="1">
+                <a:solidFill>
+                  <a:schemeClr val="bg1">
+                    <a:lumMod val="50000"/>
+                  </a:schemeClr>
+                </a:solidFill>
+              </a:rPr>
+              <a:t>$ 6.691,22</a:t>
+            </a:r>
+            <a:r>
+              <a:rPr lang="pt-BR" sz="1600">
                 <a:solidFill>
                   <a:schemeClr val="bg1">
                     <a:lumMod val="50000"/>
@@ -6179,6 +6194,13 @@
               </a:rPr>
               <a:t>*</a:t>
             </a:r>
+            <a:endParaRPr lang="pt-BR" sz="1600" dirty="0">
+              <a:solidFill>
+                <a:schemeClr val="bg1">
+                  <a:lumMod val="50000"/>
+                </a:schemeClr>
+              </a:solidFill>
+            </a:endParaRPr>
           </a:p>
         </p:txBody>
       </p:sp>
@@ -6241,7 +6263,7 @@
           <a:p>
             <a:r>
               <a:rPr lang="pt-BR" sz="1200" dirty="0"/>
-              <a:t>* Considerando que as transações com oferta teriam um valor 60% inferior</a:t>
+              <a:t>* Considerando que as transações com oferta teriam um valor 60% inferior e uma taxa de 20%</a:t>
             </a:r>
           </a:p>
         </p:txBody>
